--- a/Team Elite.pptx
+++ b/Team Elite.pptx
@@ -7,14 +7,15 @@
   <p:sldIdLst>
     <p:sldId id="256" r:id="rId2"/>
     <p:sldId id="257" r:id="rId3"/>
-    <p:sldId id="259" r:id="rId4"/>
-    <p:sldId id="261" r:id="rId5"/>
-    <p:sldId id="258" r:id="rId6"/>
-    <p:sldId id="260" r:id="rId7"/>
-    <p:sldId id="262" r:id="rId8"/>
-    <p:sldId id="263" r:id="rId9"/>
-    <p:sldId id="264" r:id="rId10"/>
-    <p:sldId id="265" r:id="rId11"/>
+    <p:sldId id="266" r:id="rId4"/>
+    <p:sldId id="259" r:id="rId5"/>
+    <p:sldId id="261" r:id="rId6"/>
+    <p:sldId id="258" r:id="rId7"/>
+    <p:sldId id="260" r:id="rId8"/>
+    <p:sldId id="262" r:id="rId9"/>
+    <p:sldId id="263" r:id="rId10"/>
+    <p:sldId id="264" r:id="rId11"/>
+    <p:sldId id="265" r:id="rId12"/>
   </p:sldIdLst>
   <p:sldSz cx="12192000" cy="6858000"/>
   <p:notesSz cx="6858000" cy="9144000"/>
@@ -366,7 +367,7 @@
           <a:p>
             <a:fld id="{6BC16B15-D546-46F7-BA89-D129DE148C11}" type="datetimeFigureOut">
               <a:rPr lang="vi-VN" smtClean="0"/>
-              <a:t>21/12/2016</a:t>
+              <a:t>28/12/2016</a:t>
             </a:fld>
             <a:endParaRPr lang="vi-VN"/>
           </a:p>
@@ -633,7 +634,7 @@
           <a:p>
             <a:fld id="{6BC16B15-D546-46F7-BA89-D129DE148C11}" type="datetimeFigureOut">
               <a:rPr lang="vi-VN" smtClean="0"/>
-              <a:t>21/12/2016</a:t>
+              <a:t>28/12/2016</a:t>
             </a:fld>
             <a:endParaRPr lang="vi-VN"/>
           </a:p>
@@ -868,7 +869,7 @@
           <a:p>
             <a:fld id="{6BC16B15-D546-46F7-BA89-D129DE148C11}" type="datetimeFigureOut">
               <a:rPr lang="vi-VN" smtClean="0"/>
-              <a:t>21/12/2016</a:t>
+              <a:t>28/12/2016</a:t>
             </a:fld>
             <a:endParaRPr lang="vi-VN"/>
           </a:p>
@@ -1113,7 +1114,7 @@
           <a:p>
             <a:fld id="{6BC16B15-D546-46F7-BA89-D129DE148C11}" type="datetimeFigureOut">
               <a:rPr lang="vi-VN" smtClean="0"/>
-              <a:t>21/12/2016</a:t>
+              <a:t>28/12/2016</a:t>
             </a:fld>
             <a:endParaRPr lang="vi-VN"/>
           </a:p>
@@ -1427,7 +1428,7 @@
           <a:p>
             <a:fld id="{6BC16B15-D546-46F7-BA89-D129DE148C11}" type="datetimeFigureOut">
               <a:rPr lang="vi-VN" smtClean="0"/>
-              <a:t>21/12/2016</a:t>
+              <a:t>28/12/2016</a:t>
             </a:fld>
             <a:endParaRPr lang="vi-VN"/>
           </a:p>
@@ -1734,7 +1735,7 @@
           <a:p>
             <a:fld id="{6BC16B15-D546-46F7-BA89-D129DE148C11}" type="datetimeFigureOut">
               <a:rPr lang="vi-VN" smtClean="0"/>
-              <a:t>21/12/2016</a:t>
+              <a:t>28/12/2016</a:t>
             </a:fld>
             <a:endParaRPr lang="vi-VN"/>
           </a:p>
@@ -2156,7 +2157,7 @@
           <a:p>
             <a:fld id="{6BC16B15-D546-46F7-BA89-D129DE148C11}" type="datetimeFigureOut">
               <a:rPr lang="vi-VN" smtClean="0"/>
-              <a:t>21/12/2016</a:t>
+              <a:t>28/12/2016</a:t>
             </a:fld>
             <a:endParaRPr lang="vi-VN"/>
           </a:p>
@@ -2251,7 +2252,7 @@
           <a:p>
             <a:fld id="{6BC16B15-D546-46F7-BA89-D129DE148C11}" type="datetimeFigureOut">
               <a:rPr lang="vi-VN" smtClean="0"/>
-              <a:t>21/12/2016</a:t>
+              <a:t>28/12/2016</a:t>
             </a:fld>
             <a:endParaRPr lang="vi-VN"/>
           </a:p>
@@ -2413,7 +2414,7 @@
           <a:p>
             <a:fld id="{6BC16B15-D546-46F7-BA89-D129DE148C11}" type="datetimeFigureOut">
               <a:rPr lang="vi-VN" smtClean="0"/>
-              <a:t>21/12/2016</a:t>
+              <a:t>28/12/2016</a:t>
             </a:fld>
             <a:endParaRPr lang="vi-VN"/>
           </a:p>
@@ -2791,7 +2792,7 @@
           <a:p>
             <a:fld id="{6BC16B15-D546-46F7-BA89-D129DE148C11}" type="datetimeFigureOut">
               <a:rPr lang="vi-VN" smtClean="0"/>
-              <a:t>21/12/2016</a:t>
+              <a:t>28/12/2016</a:t>
             </a:fld>
             <a:endParaRPr lang="vi-VN"/>
           </a:p>
@@ -3080,7 +3081,7 @@
           <a:p>
             <a:fld id="{6BC16B15-D546-46F7-BA89-D129DE148C11}" type="datetimeFigureOut">
               <a:rPr lang="vi-VN" smtClean="0"/>
-              <a:t>21/12/2016</a:t>
+              <a:t>28/12/2016</a:t>
             </a:fld>
             <a:endParaRPr lang="vi-VN"/>
           </a:p>
@@ -3291,7 +3292,7 @@
           <a:p>
             <a:fld id="{6BC16B15-D546-46F7-BA89-D129DE148C11}" type="datetimeFigureOut">
               <a:rPr lang="vi-VN" smtClean="0"/>
-              <a:t>21/12/2016</a:t>
+              <a:t>28/12/2016</a:t>
             </a:fld>
             <a:endParaRPr lang="vi-VN"/>
           </a:p>
@@ -3991,7 +3992,7 @@
   </p:clrMapOvr>
   <mc:AlternateContent xmlns:mc="http://schemas.openxmlformats.org/markup-compatibility/2006" xmlns:p14="http://schemas.microsoft.com/office/powerpoint/2010/main">
     <mc:Choice Requires="p14">
-      <p:transition spd="slow" p14:dur="3400">
+      <p:transition spd="slow" p14:dur="2000">
         <p14:reveal/>
       </p:transition>
     </mc:Choice>
@@ -4030,6 +4031,78 @@
       </p:grpSpPr>
       <p:sp>
         <p:nvSpPr>
+          <p:cNvPr id="2" name="Title 1"/>
+          <p:cNvSpPr>
+            <a:spLocks noGrp="1"/>
+          </p:cNvSpPr>
+          <p:nvPr>
+            <p:ph type="title"/>
+          </p:nvPr>
+        </p:nvSpPr>
+        <p:spPr/>
+        <p:txBody>
+          <a:bodyPr/>
+          <a:lstStyle/>
+          <a:p>
+            <a:r>
+              <a:rPr lang="en-US" dirty="0" smtClean="0"/>
+              <a:t>Q&amp;A</a:t>
+            </a:r>
+            <a:endParaRPr lang="vi-VN" dirty="0"/>
+          </a:p>
+        </p:txBody>
+      </p:sp>
+    </p:spTree>
+    <p:extLst>
+      <p:ext uri="{BB962C8B-B14F-4D97-AF65-F5344CB8AC3E}">
+        <p14:creationId xmlns:p14="http://schemas.microsoft.com/office/powerpoint/2010/main" val="1451980142"/>
+      </p:ext>
+    </p:extLst>
+  </p:cSld>
+  <p:clrMapOvr>
+    <a:masterClrMapping/>
+  </p:clrMapOvr>
+  <mc:AlternateContent xmlns:mc="http://schemas.openxmlformats.org/markup-compatibility/2006" xmlns:p14="http://schemas.microsoft.com/office/powerpoint/2010/main">
+    <mc:Choice Requires="p14">
+      <p:transition spd="slow" p14:dur="2000">
+        <p14:reveal/>
+      </p:transition>
+    </mc:Choice>
+    <mc:Fallback xmlns="">
+      <p:transition spd="slow">
+        <p:fade/>
+      </p:transition>
+    </mc:Fallback>
+  </mc:AlternateContent>
+  <p:timing>
+    <p:tnLst>
+      <p:par>
+        <p:cTn id="1" dur="indefinite" restart="never" nodeType="tmRoot"/>
+      </p:par>
+    </p:tnLst>
+  </p:timing>
+</p:sld>
+</file>
+
+<file path=ppt/slides/slide11.xml><?xml version="1.0" encoding="utf-8"?>
+<p:sld xmlns:a="http://schemas.openxmlformats.org/drawingml/2006/main" xmlns:r="http://schemas.openxmlformats.org/officeDocument/2006/relationships" xmlns:p="http://schemas.openxmlformats.org/presentationml/2006/main">
+  <p:cSld>
+    <p:spTree>
+      <p:nvGrpSpPr>
+        <p:cNvPr id="1" name=""/>
+        <p:cNvGrpSpPr/>
+        <p:nvPr/>
+      </p:nvGrpSpPr>
+      <p:grpSpPr>
+        <a:xfrm>
+          <a:off x="0" y="0"/>
+          <a:ext cx="0" cy="0"/>
+          <a:chOff x="0" y="0"/>
+          <a:chExt cx="0" cy="0"/>
+        </a:xfrm>
+      </p:grpSpPr>
+      <p:sp>
+        <p:nvSpPr>
           <p:cNvPr id="4" name="Rectangle 3"/>
           <p:cNvSpPr/>
           <p:nvPr/>
@@ -4067,13 +4140,13 @@
   <p:clrMapOvr>
     <a:masterClrMapping/>
   </p:clrMapOvr>
-  <mc:AlternateContent xmlns:mc="http://schemas.openxmlformats.org/markup-compatibility/2006">
-    <mc:Choice xmlns:p14="http://schemas.microsoft.com/office/powerpoint/2010/main" Requires="p14">
-      <p:transition spd="slow" p14:dur="3400">
+  <mc:AlternateContent xmlns:mc="http://schemas.openxmlformats.org/markup-compatibility/2006" xmlns:p14="http://schemas.microsoft.com/office/powerpoint/2010/main">
+    <mc:Choice Requires="p14">
+      <p:transition spd="slow" p14:dur="2000">
         <p14:reveal/>
       </p:transition>
     </mc:Choice>
-    <mc:Fallback>
+    <mc:Fallback xmlns="">
       <p:transition spd="slow">
         <p:fade/>
       </p:transition>
@@ -4228,7 +4301,7 @@
   </p:clrMapOvr>
   <mc:AlternateContent xmlns:mc="http://schemas.openxmlformats.org/markup-compatibility/2006" xmlns:p14="http://schemas.microsoft.com/office/powerpoint/2010/main">
     <mc:Choice Requires="p14">
-      <p:transition spd="slow" p14:dur="3400">
+      <p:transition spd="slow" p14:dur="2000">
         <p14:reveal/>
       </p:transition>
     </mc:Choice>
@@ -4281,9 +4354,22 @@
           <a:lstStyle/>
           <a:p>
             <a:r>
-              <a:rPr lang="vi-VN" dirty="0"/>
-              <a:t>Technology</a:t>
-            </a:r>
+              <a:rPr lang="en-US" dirty="0" smtClean="0"/>
+              <a:t>App ID On Ionic </a:t>
+            </a:r>
+            <a:r>
+              <a:rPr lang="en-US" dirty="0" smtClean="0"/>
+              <a:t>View &amp; </a:t>
+            </a:r>
+            <a:r>
+              <a:rPr lang="en-US" dirty="0" err="1" smtClean="0"/>
+              <a:t>Github</a:t>
+            </a:r>
+            <a:r>
+              <a:rPr lang="en-US" dirty="0" smtClean="0"/>
+              <a:t>	</a:t>
+            </a:r>
+            <a:endParaRPr lang="vi-VN" dirty="0"/>
           </a:p>
         </p:txBody>
       </p:sp>
@@ -4303,22 +4389,28 @@
           <a:lstStyle/>
           <a:p>
             <a:r>
-              <a:rPr lang="vi-VN" dirty="0" smtClean="0"/>
-              <a:t>Front-end: Ionic 2, Web </a:t>
-            </a:r>
-            <a:r>
-              <a:rPr lang="vi-VN" dirty="0" smtClean="0"/>
-              <a:t>animation API, </a:t>
-            </a:r>
-            <a:r>
-              <a:rPr lang="vi-VN" dirty="0" smtClean="0"/>
-              <a:t>Material</a:t>
-            </a:r>
-          </a:p>
-          <a:p>
-            <a:r>
-              <a:rPr lang="vi-VN" dirty="0" smtClean="0"/>
-              <a:t>Back-end: Ionic Storage, Fire Base</a:t>
+              <a:rPr lang="en-US" dirty="0" smtClean="0"/>
+              <a:t>App Store -&gt; Ionic View</a:t>
+            </a:r>
+          </a:p>
+          <a:p>
+            <a:r>
+              <a:rPr lang="en-US" dirty="0" smtClean="0"/>
+              <a:t>App Id: </a:t>
+            </a:r>
+            <a:r>
+              <a:rPr lang="en-US" dirty="0" smtClean="0"/>
+              <a:t>ADA0E256</a:t>
+            </a:r>
+          </a:p>
+          <a:p>
+            <a:r>
+              <a:rPr lang="en-US" dirty="0" err="1" smtClean="0"/>
+              <a:t>Github</a:t>
+            </a:r>
+            <a:r>
+              <a:rPr lang="en-US"/>
+              <a:t>: https://github.com/IceNeoMax/Team-Elite</a:t>
             </a:r>
             <a:endParaRPr lang="vi-VN" dirty="0"/>
           </a:p>
@@ -4327,7 +4419,7 @@
     </p:spTree>
     <p:extLst>
       <p:ext uri="{BB962C8B-B14F-4D97-AF65-F5344CB8AC3E}">
-        <p14:creationId xmlns:p14="http://schemas.microsoft.com/office/powerpoint/2010/main" val="2333413494"/>
+        <p14:creationId xmlns:p14="http://schemas.microsoft.com/office/powerpoint/2010/main" val="1710523441"/>
       </p:ext>
     </p:extLst>
   </p:cSld>
@@ -4336,7 +4428,7 @@
   </p:clrMapOvr>
   <mc:AlternateContent xmlns:mc="http://schemas.openxmlformats.org/markup-compatibility/2006" xmlns:p14="http://schemas.microsoft.com/office/powerpoint/2010/main">
     <mc:Choice Requires="p14">
-      <p:transition spd="slow" p14:dur="3400">
+      <p:transition spd="slow" p14:dur="2000">
         <p14:reveal/>
       </p:transition>
     </mc:Choice>
@@ -4357,6 +4449,106 @@
 </file>
 
 <file path=ppt/slides/slide4.xml><?xml version="1.0" encoding="utf-8"?>
+<p:sld xmlns:a="http://schemas.openxmlformats.org/drawingml/2006/main" xmlns:r="http://schemas.openxmlformats.org/officeDocument/2006/relationships" xmlns:p="http://schemas.openxmlformats.org/presentationml/2006/main">
+  <p:cSld>
+    <p:spTree>
+      <p:nvGrpSpPr>
+        <p:cNvPr id="1" name=""/>
+        <p:cNvGrpSpPr/>
+        <p:nvPr/>
+      </p:nvGrpSpPr>
+      <p:grpSpPr>
+        <a:xfrm>
+          <a:off x="0" y="0"/>
+          <a:ext cx="0" cy="0"/>
+          <a:chOff x="0" y="0"/>
+          <a:chExt cx="0" cy="0"/>
+        </a:xfrm>
+      </p:grpSpPr>
+      <p:sp>
+        <p:nvSpPr>
+          <p:cNvPr id="2" name="Title 1"/>
+          <p:cNvSpPr>
+            <a:spLocks noGrp="1"/>
+          </p:cNvSpPr>
+          <p:nvPr>
+            <p:ph type="title"/>
+          </p:nvPr>
+        </p:nvSpPr>
+        <p:spPr/>
+        <p:txBody>
+          <a:bodyPr/>
+          <a:lstStyle/>
+          <a:p>
+            <a:r>
+              <a:rPr lang="vi-VN" dirty="0"/>
+              <a:t>Technology</a:t>
+            </a:r>
+          </a:p>
+        </p:txBody>
+      </p:sp>
+      <p:sp>
+        <p:nvSpPr>
+          <p:cNvPr id="3" name="Content Placeholder 2"/>
+          <p:cNvSpPr>
+            <a:spLocks noGrp="1"/>
+          </p:cNvSpPr>
+          <p:nvPr>
+            <p:ph idx="1"/>
+          </p:nvPr>
+        </p:nvSpPr>
+        <p:spPr/>
+        <p:txBody>
+          <a:bodyPr/>
+          <a:lstStyle/>
+          <a:p>
+            <a:r>
+              <a:rPr lang="vi-VN" dirty="0" smtClean="0"/>
+              <a:t>Front-end: Ionic 2, Web animation API, Material</a:t>
+            </a:r>
+          </a:p>
+          <a:p>
+            <a:r>
+              <a:rPr lang="vi-VN" dirty="0" smtClean="0"/>
+              <a:t>Back-end: Ionic Storage, Fire Base</a:t>
+            </a:r>
+            <a:endParaRPr lang="vi-VN" dirty="0"/>
+          </a:p>
+        </p:txBody>
+      </p:sp>
+    </p:spTree>
+    <p:extLst>
+      <p:ext uri="{BB962C8B-B14F-4D97-AF65-F5344CB8AC3E}">
+        <p14:creationId xmlns:p14="http://schemas.microsoft.com/office/powerpoint/2010/main" val="2333413494"/>
+      </p:ext>
+    </p:extLst>
+  </p:cSld>
+  <p:clrMapOvr>
+    <a:masterClrMapping/>
+  </p:clrMapOvr>
+  <mc:AlternateContent xmlns:mc="http://schemas.openxmlformats.org/markup-compatibility/2006" xmlns:p14="http://schemas.microsoft.com/office/powerpoint/2010/main">
+    <mc:Choice Requires="p14">
+      <p:transition spd="slow" p14:dur="2000">
+        <p14:reveal/>
+      </p:transition>
+    </mc:Choice>
+    <mc:Fallback xmlns="">
+      <p:transition spd="slow">
+        <p:fade/>
+      </p:transition>
+    </mc:Fallback>
+  </mc:AlternateContent>
+  <p:timing>
+    <p:tnLst>
+      <p:par>
+        <p:cTn id="1" dur="indefinite" restart="never" nodeType="tmRoot"/>
+      </p:par>
+    </p:tnLst>
+  </p:timing>
+</p:sld>
+</file>
+
+<file path=ppt/slides/slide5.xml><?xml version="1.0" encoding="utf-8"?>
 <p:sld xmlns:a="http://schemas.openxmlformats.org/drawingml/2006/main" xmlns:r="http://schemas.openxmlformats.org/officeDocument/2006/relationships" xmlns:p="http://schemas.openxmlformats.org/presentationml/2006/main">
   <p:cSld>
     <p:spTree>
@@ -4505,7 +4697,7 @@
   </p:clrMapOvr>
   <mc:AlternateContent xmlns:mc="http://schemas.openxmlformats.org/markup-compatibility/2006" xmlns:p14="http://schemas.microsoft.com/office/powerpoint/2010/main">
     <mc:Choice Requires="p14">
-      <p:transition spd="slow" p14:dur="3400">
+      <p:transition spd="slow" p14:dur="2000">
         <p14:reveal/>
       </p:transition>
     </mc:Choice>
@@ -4525,7 +4717,7 @@
 </p:sld>
 </file>
 
-<file path=ppt/slides/slide5.xml><?xml version="1.0" encoding="utf-8"?>
+<file path=ppt/slides/slide6.xml><?xml version="1.0" encoding="utf-8"?>
 <p:sld xmlns:a="http://schemas.openxmlformats.org/drawingml/2006/main" xmlns:r="http://schemas.openxmlformats.org/officeDocument/2006/relationships" xmlns:p="http://schemas.openxmlformats.org/presentationml/2006/main">
   <p:cSld>
     <p:spTree>
@@ -5607,7 +5799,7 @@
   </p:clrMapOvr>
   <mc:AlternateContent xmlns:mc="http://schemas.openxmlformats.org/markup-compatibility/2006" xmlns:p14="http://schemas.microsoft.com/office/powerpoint/2010/main">
     <mc:Choice Requires="p14">
-      <p:transition spd="slow" p14:dur="3400">
+      <p:transition spd="slow" p14:dur="2000">
         <p14:reveal/>
       </p:transition>
     </mc:Choice>
@@ -7677,7 +7869,7 @@
 </p:sld>
 </file>
 
-<file path=ppt/slides/slide6.xml><?xml version="1.0" encoding="utf-8"?>
+<file path=ppt/slides/slide7.xml><?xml version="1.0" encoding="utf-8"?>
 <p:sld xmlns:a="http://schemas.openxmlformats.org/drawingml/2006/main" xmlns:r="http://schemas.openxmlformats.org/officeDocument/2006/relationships" xmlns:p="http://schemas.openxmlformats.org/presentationml/2006/main">
   <p:cSld>
     <p:spTree>
@@ -7723,7 +7915,7 @@
       </p:sp>
       <p:pic>
         <p:nvPicPr>
-          <p:cNvPr id="7" name="Picture 6"/>
+          <p:cNvPr id="3" name="Picture 2"/>
           <p:cNvPicPr>
             <a:picLocks noChangeAspect="1"/>
           </p:cNvPicPr>
@@ -7737,8 +7929,8 @@
         </p:blipFill>
         <p:spPr>
           <a:xfrm>
-            <a:off x="1990725" y="1867825"/>
-            <a:ext cx="7600949" cy="4275534"/>
+            <a:off x="2109019" y="1896396"/>
+            <a:ext cx="7973961" cy="4485353"/>
           </a:xfrm>
           <a:prstGeom prst="rect">
             <a:avLst/>
@@ -7757,7 +7949,7 @@
   </p:clrMapOvr>
   <mc:AlternateContent xmlns:mc="http://schemas.openxmlformats.org/markup-compatibility/2006" xmlns:p14="http://schemas.microsoft.com/office/powerpoint/2010/main">
     <mc:Choice Requires="p14">
-      <p:transition spd="slow" p14:dur="3400">
+      <p:transition spd="slow" p14:dur="2000">
         <p14:reveal/>
       </p:transition>
     </mc:Choice>
@@ -7777,7 +7969,7 @@
 </p:sld>
 </file>
 
-<file path=ppt/slides/slide7.xml><?xml version="1.0" encoding="utf-8"?>
+<file path=ppt/slides/slide8.xml><?xml version="1.0" encoding="utf-8"?>
 <p:sld xmlns:a="http://schemas.openxmlformats.org/drawingml/2006/main" xmlns:r="http://schemas.openxmlformats.org/officeDocument/2006/relationships" xmlns:p="http://schemas.openxmlformats.org/presentationml/2006/main">
   <p:cSld>
     <p:spTree>
@@ -7902,7 +8094,7 @@
           <a:graphicData uri="http://schemas.openxmlformats.org/presentationml/2006/ole">
             <mc:AlternateContent xmlns:mc="http://schemas.openxmlformats.org/markup-compatibility/2006">
               <mc:Choice xmlns:v="urn:schemas-microsoft-com:vml" Requires="v">
-                <p:oleObj spid="_x0000_s2057" name="Picture" r:id="rId3" imgW="12704762" imgH="6438095" progId="StaticDib">
+                <p:oleObj spid="_x0000_s2064" name="Picture" r:id="rId3" imgW="12704762" imgH="6438095" progId="StaticDib">
                   <p:embed/>
                 </p:oleObj>
               </mc:Choice>
@@ -7962,85 +8154,13 @@
   <p:clrMapOvr>
     <a:masterClrMapping/>
   </p:clrMapOvr>
-  <mc:AlternateContent xmlns:mc="http://schemas.openxmlformats.org/markup-compatibility/2006">
-    <mc:Choice xmlns:p14="http://schemas.microsoft.com/office/powerpoint/2010/main" Requires="p14">
-      <p:transition spd="slow" p14:dur="3400">
+  <mc:AlternateContent xmlns:mc="http://schemas.openxmlformats.org/markup-compatibility/2006" xmlns:p14="http://schemas.microsoft.com/office/powerpoint/2010/main">
+    <mc:Choice Requires="p14">
+      <p:transition spd="slow" p14:dur="2000">
         <p14:reveal/>
       </p:transition>
     </mc:Choice>
-    <mc:Fallback>
-      <p:transition spd="slow">
-        <p:fade/>
-      </p:transition>
-    </mc:Fallback>
-  </mc:AlternateContent>
-  <p:timing>
-    <p:tnLst>
-      <p:par>
-        <p:cTn id="1" dur="indefinite" restart="never" nodeType="tmRoot"/>
-      </p:par>
-    </p:tnLst>
-  </p:timing>
-</p:sld>
-</file>
-
-<file path=ppt/slides/slide8.xml><?xml version="1.0" encoding="utf-8"?>
-<p:sld xmlns:a="http://schemas.openxmlformats.org/drawingml/2006/main" xmlns:r="http://schemas.openxmlformats.org/officeDocument/2006/relationships" xmlns:p="http://schemas.openxmlformats.org/presentationml/2006/main">
-  <p:cSld>
-    <p:spTree>
-      <p:nvGrpSpPr>
-        <p:cNvPr id="1" name=""/>
-        <p:cNvGrpSpPr/>
-        <p:nvPr/>
-      </p:nvGrpSpPr>
-      <p:grpSpPr>
-        <a:xfrm>
-          <a:off x="0" y="0"/>
-          <a:ext cx="0" cy="0"/>
-          <a:chOff x="0" y="0"/>
-          <a:chExt cx="0" cy="0"/>
-        </a:xfrm>
-      </p:grpSpPr>
-      <p:sp>
-        <p:nvSpPr>
-          <p:cNvPr id="2" name="Title 1"/>
-          <p:cNvSpPr>
-            <a:spLocks noGrp="1"/>
-          </p:cNvSpPr>
-          <p:nvPr>
-            <p:ph type="title"/>
-          </p:nvPr>
-        </p:nvSpPr>
-        <p:spPr/>
-        <p:txBody>
-          <a:bodyPr/>
-          <a:lstStyle/>
-          <a:p>
-            <a:r>
-              <a:rPr lang="en-US" dirty="0" smtClean="0"/>
-              <a:t>Demo</a:t>
-            </a:r>
-            <a:endParaRPr lang="vi-VN" dirty="0"/>
-          </a:p>
-        </p:txBody>
-      </p:sp>
-    </p:spTree>
-    <p:extLst>
-      <p:ext uri="{BB962C8B-B14F-4D97-AF65-F5344CB8AC3E}">
-        <p14:creationId xmlns:p14="http://schemas.microsoft.com/office/powerpoint/2010/main" val="2949319529"/>
-      </p:ext>
-    </p:extLst>
-  </p:cSld>
-  <p:clrMapOvr>
-    <a:masterClrMapping/>
-  </p:clrMapOvr>
-  <mc:AlternateContent xmlns:mc="http://schemas.openxmlformats.org/markup-compatibility/2006">
-    <mc:Choice xmlns:p14="http://schemas.microsoft.com/office/powerpoint/2010/main" Requires="p14">
-      <p:transition spd="slow" p14:dur="3400">
-        <p14:reveal/>
-      </p:transition>
-    </mc:Choice>
-    <mc:Fallback>
+    <mc:Fallback xmlns="">
       <p:transition spd="slow">
         <p:fade/>
       </p:transition>
@@ -8090,7 +8210,7 @@
           <a:p>
             <a:r>
               <a:rPr lang="en-US" dirty="0" smtClean="0"/>
-              <a:t>Q&amp;A</a:t>
+              <a:t>Demo</a:t>
             </a:r>
             <a:endParaRPr lang="vi-VN" dirty="0"/>
           </a:p>
@@ -8099,20 +8219,20 @@
     </p:spTree>
     <p:extLst>
       <p:ext uri="{BB962C8B-B14F-4D97-AF65-F5344CB8AC3E}">
-        <p14:creationId xmlns:p14="http://schemas.microsoft.com/office/powerpoint/2010/main" val="1451980142"/>
+        <p14:creationId xmlns:p14="http://schemas.microsoft.com/office/powerpoint/2010/main" val="2949319529"/>
       </p:ext>
     </p:extLst>
   </p:cSld>
   <p:clrMapOvr>
     <a:masterClrMapping/>
   </p:clrMapOvr>
-  <mc:AlternateContent xmlns:mc="http://schemas.openxmlformats.org/markup-compatibility/2006">
-    <mc:Choice xmlns:p14="http://schemas.microsoft.com/office/powerpoint/2010/main" Requires="p14">
-      <p:transition spd="slow" p14:dur="3400">
+  <mc:AlternateContent xmlns:mc="http://schemas.openxmlformats.org/markup-compatibility/2006" xmlns:p14="http://schemas.microsoft.com/office/powerpoint/2010/main">
+    <mc:Choice Requires="p14">
+      <p:transition spd="slow" p14:dur="2000">
         <p14:reveal/>
       </p:transition>
     </mc:Choice>
-    <mc:Fallback>
+    <mc:Fallback xmlns="">
       <p:transition spd="slow">
         <p:fade/>
       </p:transition>
